--- a/крестики-нолики.pptx
+++ b/крестики-нолики.pptx
@@ -3285,13 +3285,7 @@
               <a:rPr lang="ru-RU" dirty="0" smtClean="0">
                 <a:latin typeface="Bahnschrift Light" pitchFamily="34" charset="0"/>
               </a:rPr>
-              <a:t> на языке </a:t>
-            </a:r>
-            <a:r>
-              <a:rPr lang="ru-RU" dirty="0" smtClean="0">
-                <a:latin typeface="Bahnschrift Light" pitchFamily="34" charset="0"/>
-              </a:rPr>
-              <a:t>программирования </a:t>
+              <a:t> на языке программирования </a:t>
             </a:r>
             <a:r>
               <a:rPr lang="en-US" dirty="0">
@@ -3466,7 +3460,7 @@
         </p:spPr>
         <p:txBody>
           <a:bodyPr>
-            <a:normAutofit/>
+            <a:normAutofit lnSpcReduction="10000"/>
           </a:bodyPr>
           <a:lstStyle/>
           <a:p>
@@ -3536,22 +3530,43 @@
               <a:rPr lang="ru-RU" sz="1900" dirty="0" smtClean="0">
                 <a:latin typeface="Bahnschrift Light" pitchFamily="34" charset="0"/>
               </a:rPr>
-              <a:t>обычный уровень – доска 3 * 3)</a:t>
-            </a:r>
-          </a:p>
-          <a:p>
-            <a:pPr marL="0" indent="0">
-              <a:buNone/>
+              <a:t>обычный уровень – доска 3 * 3</a:t>
+            </a:r>
+            <a:r>
+              <a:rPr lang="ru-RU" sz="1900" dirty="0" smtClean="0">
+                <a:latin typeface="Bahnschrift Light" pitchFamily="34" charset="0"/>
+              </a:rPr>
+              <a:t>)</a:t>
+            </a:r>
+            <a:endParaRPr lang="en-US" sz="1900" dirty="0" smtClean="0">
+              <a:latin typeface="Bahnschrift Light" pitchFamily="34" charset="0"/>
+            </a:endParaRPr>
+          </a:p>
+          <a:p>
+            <a:pPr>
+              <a:buFontTx/>
+              <a:buChar char="-"/>
             </a:pPr>
             <a:r>
               <a:rPr lang="ru-RU" sz="1900" dirty="0" smtClean="0">
                 <a:latin typeface="Bahnschrift Light" pitchFamily="34" charset="0"/>
               </a:rPr>
-              <a:t>После нажатия одной из кнопок пользователь попадает на основное окно с игрой</a:t>
+              <a:t>Анимация крестика и нолика</a:t>
             </a:r>
             <a:endParaRPr lang="ru-RU" sz="1900" dirty="0" smtClean="0">
               <a:latin typeface="Bahnschrift Light" pitchFamily="34" charset="0"/>
             </a:endParaRPr>
+          </a:p>
+          <a:p>
+            <a:pPr marL="0" indent="0">
+              <a:buNone/>
+            </a:pPr>
+            <a:r>
+              <a:rPr lang="ru-RU" sz="1900" dirty="0" smtClean="0">
+                <a:latin typeface="Bahnschrift Light" pitchFamily="34" charset="0"/>
+              </a:rPr>
+              <a:t>После нажатия одной из кнопок пользователь попадает на основное окно с игрой</a:t>
+            </a:r>
           </a:p>
           <a:p>
             <a:pPr marL="0" indent="0">
@@ -3584,27 +3599,56 @@
       </p:sp>
       <p:pic>
         <p:nvPicPr>
-          <p:cNvPr id="4" name="Рисунок 3"/>
+          <p:cNvPr id="5" name="Рисунок 4"/>
           <p:cNvPicPr>
             <a:picLocks noChangeAspect="1"/>
           </p:cNvPicPr>
           <p:nvPr/>
         </p:nvPicPr>
         <p:blipFill rotWithShape="1">
-          <a:blip r:embed="rId2">
+          <a:blip r:embed="rId2" cstate="print">
             <a:extLst>
               <a:ext uri="{28A0092B-C50C-407E-A947-70E740481C1C}">
                 <a14:useLocalDpi xmlns:a14="http://schemas.microsoft.com/office/drawing/2010/main" val="0"/>
               </a:ext>
             </a:extLst>
           </a:blip>
-          <a:srcRect l="20897" t="17294" r="20641" b="20712"/>
+          <a:srcRect l="20641" t="17750" r="20641" b="20712"/>
           <a:stretch/>
         </p:blipFill>
         <p:spPr>
           <a:xfrm>
-            <a:off x="3995936" y="1556791"/>
-            <a:ext cx="4698408" cy="2802559"/>
+            <a:off x="4355976" y="3933056"/>
+            <a:ext cx="3905564" cy="2302406"/>
+          </a:xfrm>
+          <a:prstGeom prst="rect">
+            <a:avLst/>
+          </a:prstGeom>
+        </p:spPr>
+      </p:pic>
+      <p:pic>
+        <p:nvPicPr>
+          <p:cNvPr id="6" name="Рисунок 5"/>
+          <p:cNvPicPr>
+            <a:picLocks noChangeAspect="1"/>
+          </p:cNvPicPr>
+          <p:nvPr/>
+        </p:nvPicPr>
+        <p:blipFill rotWithShape="1">
+          <a:blip r:embed="rId3" cstate="print">
+            <a:extLst>
+              <a:ext uri="{28A0092B-C50C-407E-A947-70E740481C1C}">
+                <a14:useLocalDpi xmlns:a14="http://schemas.microsoft.com/office/drawing/2010/main" val="0"/>
+              </a:ext>
+            </a:extLst>
+          </a:blip>
+          <a:srcRect l="20769" t="17977" r="20769" b="20712"/>
+          <a:stretch/>
+        </p:blipFill>
+        <p:spPr>
+          <a:xfrm>
+            <a:off x="4355976" y="1470254"/>
+            <a:ext cx="3905564" cy="2303939"/>
           </a:xfrm>
           <a:prstGeom prst="rect">
             <a:avLst/>
@@ -4214,6 +4258,14 @@
               </a:rPr>
               <a:t>Картинки</a:t>
             </a:r>
+          </a:p>
+          <a:p>
+            <a:r>
+              <a:rPr lang="ru-RU" sz="2700" dirty="0" smtClean="0">
+                <a:latin typeface="Bahnschrift Light" pitchFamily="34" charset="0"/>
+              </a:rPr>
+              <a:t>Анимации</a:t>
+            </a:r>
             <a:endParaRPr lang="en-US" sz="2700" dirty="0" smtClean="0">
               <a:latin typeface="Bahnschrift Light" pitchFamily="34" charset="0"/>
             </a:endParaRPr>
@@ -4286,22 +4338,39 @@
               <a:t>import </a:t>
             </a:r>
             <a:r>
-              <a:rPr lang="en-US" sz="2700" dirty="0">
+              <a:rPr lang="en-US" sz="2700" dirty="0" smtClean="0">
                 <a:latin typeface="Bahnschrift Light" pitchFamily="34" charset="0"/>
               </a:rPr>
               <a:t>random</a:t>
             </a:r>
-            <a:br>
-              <a:rPr lang="en-US" sz="2700" dirty="0">
-                <a:latin typeface="Bahnschrift Light" pitchFamily="34" charset="0"/>
-              </a:rPr>
-            </a:br>
-            <a:r>
-              <a:rPr lang="en-US" sz="2700" dirty="0">
+            <a:r>
+              <a:rPr lang="ru-RU" sz="2700" dirty="0" smtClean="0">
+                <a:latin typeface="Bahnschrift Light" pitchFamily="34" charset="0"/>
+              </a:rPr>
+              <a:t>, </a:t>
+            </a:r>
+            <a:r>
+              <a:rPr lang="en-US" sz="2700" dirty="0" smtClean="0">
                 <a:latin typeface="Bahnschrift Light" pitchFamily="34" charset="0"/>
               </a:rPr>
               <a:t>import time</a:t>
             </a:r>
+            <a:r>
+              <a:rPr lang="ru-RU" sz="2700" dirty="0" smtClean="0">
+                <a:latin typeface="Bahnschrift Light" pitchFamily="34" charset="0"/>
+              </a:rPr>
+              <a:t>, </a:t>
+            </a:r>
+            <a:r>
+              <a:rPr lang="en-US" sz="2800" dirty="0" smtClean="0"/>
+              <a:t>PIL</a:t>
+            </a:r>
+            <a:endParaRPr lang="en-US" sz="2800" dirty="0"/>
+          </a:p>
+          <a:p>
+            <a:endParaRPr lang="en-US" sz="2700" dirty="0">
+              <a:latin typeface="Bahnschrift Light" pitchFamily="34" charset="0"/>
+            </a:endParaRPr>
           </a:p>
           <a:p>
             <a:pPr marL="0" indent="0">
